--- a/RTOS Project/Project Presentation.pptx
+++ b/RTOS Project/Project Presentation.pptx
@@ -455,7 +455,7 @@
             <a:fld id="{1449AA12-8195-4182-A7AC-2E7E59DFBDAF}" type="datetimeFigureOut">
               <a:rPr lang="en-US" smtClean="0"/>
               <a:pPr algn="r"/>
-              <a:t>10-May-23</a:t>
+              <a:t>11-May-23</a:t>
             </a:fld>
             <a:endParaRPr lang="en-US"/>
           </a:p>
@@ -671,7 +671,7 @@
           <a:p>
             <a:fld id="{1449AA12-8195-4182-A7AC-2E7E59DFBDAF}" type="datetimeFigureOut">
               <a:rPr lang="en-US" smtClean="0"/>
-              <a:t>10-May-23</a:t>
+              <a:t>11-May-23</a:t>
             </a:fld>
             <a:endParaRPr lang="en-US"/>
           </a:p>
@@ -1043,7 +1043,7 @@
           <a:p>
             <a:fld id="{1449AA12-8195-4182-A7AC-2E7E59DFBDAF}" type="datetimeFigureOut">
               <a:rPr lang="en-US" smtClean="0"/>
-              <a:t>10-May-23</a:t>
+              <a:t>11-May-23</a:t>
             </a:fld>
             <a:endParaRPr lang="en-US"/>
           </a:p>
@@ -1405,7 +1405,7 @@
           <a:p>
             <a:fld id="{1449AA12-8195-4182-A7AC-2E7E59DFBDAF}" type="datetimeFigureOut">
               <a:rPr lang="en-US" smtClean="0"/>
-              <a:t>10-May-23</a:t>
+              <a:t>11-May-23</a:t>
             </a:fld>
             <a:endParaRPr lang="en-US"/>
           </a:p>
@@ -1845,7 +1845,7 @@
           <a:p>
             <a:fld id="{1449AA12-8195-4182-A7AC-2E7E59DFBDAF}" type="datetimeFigureOut">
               <a:rPr lang="en-US" smtClean="0"/>
-              <a:t>10-May-23</a:t>
+              <a:t>11-May-23</a:t>
             </a:fld>
             <a:endParaRPr lang="en-US"/>
           </a:p>
@@ -2285,7 +2285,7 @@
           <a:p>
             <a:fld id="{1449AA12-8195-4182-A7AC-2E7E59DFBDAF}" type="datetimeFigureOut">
               <a:rPr lang="en-US" smtClean="0"/>
-              <a:t>10-May-23</a:t>
+              <a:t>11-May-23</a:t>
             </a:fld>
             <a:endParaRPr lang="en-US"/>
           </a:p>
@@ -2893,7 +2893,7 @@
           <a:p>
             <a:fld id="{1449AA12-8195-4182-A7AC-2E7E59DFBDAF}" type="datetimeFigureOut">
               <a:rPr lang="en-US" smtClean="0"/>
-              <a:t>10-May-23</a:t>
+              <a:t>11-May-23</a:t>
             </a:fld>
             <a:endParaRPr lang="en-US"/>
           </a:p>
@@ -3198,7 +3198,7 @@
           <a:p>
             <a:fld id="{1449AA12-8195-4182-A7AC-2E7E59DFBDAF}" type="datetimeFigureOut">
               <a:rPr lang="en-US" smtClean="0"/>
-              <a:t>10-May-23</a:t>
+              <a:t>11-May-23</a:t>
             </a:fld>
             <a:endParaRPr lang="en-US"/>
           </a:p>
@@ -3475,7 +3475,7 @@
           <a:p>
             <a:fld id="{1449AA12-8195-4182-A7AC-2E7E59DFBDAF}" type="datetimeFigureOut">
               <a:rPr lang="en-US" smtClean="0"/>
-              <a:t>10-May-23</a:t>
+              <a:t>11-May-23</a:t>
             </a:fld>
             <a:endParaRPr lang="en-US"/>
           </a:p>
@@ -3952,7 +3952,7 @@
           <a:p>
             <a:fld id="{1449AA12-8195-4182-A7AC-2E7E59DFBDAF}" type="datetimeFigureOut">
               <a:rPr lang="en-US" smtClean="0"/>
-              <a:t>10-May-23</a:t>
+              <a:t>11-May-23</a:t>
             </a:fld>
             <a:endParaRPr lang="en-US"/>
           </a:p>
@@ -4407,7 +4407,7 @@
           <a:p>
             <a:fld id="{1449AA12-8195-4182-A7AC-2E7E59DFBDAF}" type="datetimeFigureOut">
               <a:rPr lang="en-US" smtClean="0"/>
-              <a:t>10-May-23</a:t>
+              <a:t>11-May-23</a:t>
             </a:fld>
             <a:endParaRPr lang="en-US"/>
           </a:p>
@@ -4813,7 +4813,7 @@
             <a:fld id="{1449AA12-8195-4182-A7AC-2E7E59DFBDAF}" type="datetimeFigureOut">
               <a:rPr lang="en-US" smtClean="0"/>
               <a:pPr/>
-              <a:t>10-May-23</a:t>
+              <a:t>11-May-23</a:t>
             </a:fld>
             <a:endParaRPr lang="en-US"/>
           </a:p>
@@ -12466,10 +12466,10 @@
       </p:grpSpPr>
       <p:pic>
         <p:nvPicPr>
-          <p:cNvPr id="5" name="Picture 4" descr="A picture containing electrical wiring, cable, electronic engineering, electronics&#10;&#10;Description automatically generated">
-            <a:extLst>
-              <a:ext uri="{FF2B5EF4-FFF2-40B4-BE49-F238E27FC236}">
-                <a16:creationId xmlns:a16="http://schemas.microsoft.com/office/drawing/2014/main" id="{33E54F4E-6192-51A9-D2CC-92ABDE156C11}"/>
+          <p:cNvPr id="3" name="Picture 2" descr="A close-up of a circuit board&#10;&#10;Description automatically generated with low confidence">
+            <a:extLst>
+              <a:ext uri="{FF2B5EF4-FFF2-40B4-BE49-F238E27FC236}">
+                <a16:creationId xmlns:a16="http://schemas.microsoft.com/office/drawing/2014/main" id="{8A9EC5B7-6813-7E3F-1169-A03B1EA7C2F4}"/>
               </a:ext>
             </a:extLst>
           </p:cNvPr>
@@ -12492,8 +12492,8 @@
         </p:blipFill>
         <p:spPr>
           <a:xfrm rot="16200000">
-            <a:off x="2670648" y="-1134488"/>
-            <a:ext cx="6850704" cy="9134272"/>
+            <a:off x="2730230" y="-1143000"/>
+            <a:ext cx="6858000" cy="9144000"/>
           </a:xfrm>
           <a:prstGeom prst="rect">
             <a:avLst/>
